--- a/presentation/IVR.pptx
+++ b/presentation/IVR.pptx
@@ -145,7 +145,7 @@
       </p:grpSpPr>
       <p:sp>
         <p:nvSpPr>
-          <p:cNvPr id="723389656" name="Header Placeholder 1"/>
+          <p:cNvPr id="562008212" name="Header Placeholder 1"/>
           <p:cNvSpPr>
             <a:spLocks noGrp="1"/>
           </p:cNvSpPr>
@@ -179,7 +179,7 @@
       </p:sp>
       <p:sp>
         <p:nvSpPr>
-          <p:cNvPr id="39323645" name="Date Placeholder 2"/>
+          <p:cNvPr id="337511099" name="Date Placeholder 2"/>
           <p:cNvSpPr>
             <a:spLocks noGrp="1"/>
           </p:cNvSpPr>
@@ -217,7 +217,7 @@
       </p:sp>
       <p:sp>
         <p:nvSpPr>
-          <p:cNvPr id="1553976371" name="Slide Image Placeholder 3"/>
+          <p:cNvPr id="278795269" name="Slide Image Placeholder 3"/>
           <p:cNvSpPr>
             <a:spLocks noChangeAspect="1" noGrp="1" noRot="1"/>
           </p:cNvSpPr>
@@ -253,7 +253,7 @@
       </p:sp>
       <p:sp>
         <p:nvSpPr>
-          <p:cNvPr id="465918083" name="Notes Placeholder 4"/>
+          <p:cNvPr id="837591052" name="Notes Placeholder 4"/>
           <p:cNvSpPr>
             <a:spLocks noGrp="1"/>
           </p:cNvSpPr>
@@ -327,7 +327,7 @@
       </p:sp>
       <p:sp>
         <p:nvSpPr>
-          <p:cNvPr id="340180277" name="Footer Placeholder 5"/>
+          <p:cNvPr id="1485814381" name="Footer Placeholder 5"/>
           <p:cNvSpPr>
             <a:spLocks noGrp="1"/>
           </p:cNvSpPr>
@@ -361,7 +361,7 @@
       </p:sp>
       <p:sp>
         <p:nvSpPr>
-          <p:cNvPr id="597811304" name="Slide Number Placeholder 6"/>
+          <p:cNvPr id="1120549429" name="Slide Number Placeholder 6"/>
           <p:cNvSpPr>
             <a:spLocks noGrp="1"/>
           </p:cNvSpPr>
@@ -515,7 +515,7 @@
       </p:grpSpPr>
       <p:sp>
         <p:nvSpPr>
-          <p:cNvPr id="532555738" name="Slide Image Placeholder 1"/>
+          <p:cNvPr id="444160995" name="Slide Image Placeholder 1"/>
           <p:cNvSpPr>
             <a:spLocks noChangeAspect="1" noGrp="1" noRot="1"/>
           </p:cNvSpPr>
@@ -532,7 +532,7 @@
       </p:sp>
       <p:sp>
         <p:nvSpPr>
-          <p:cNvPr id="483172654" name="Notes Placeholder 2"/>
+          <p:cNvPr id="657578918" name="Notes Placeholder 2"/>
           <p:cNvSpPr>
             <a:spLocks noGrp="1"/>
           </p:cNvSpPr>
@@ -557,7 +557,7 @@
       </p:sp>
       <p:sp>
         <p:nvSpPr>
-          <p:cNvPr id="635000508" name="Slide Number Placeholder 3"/>
+          <p:cNvPr id="1880087525" name="Slide Number Placeholder 3"/>
           <p:cNvSpPr>
             <a:spLocks noGrp="1"/>
           </p:cNvSpPr>
@@ -605,7 +605,7 @@
       </p:grpSpPr>
       <p:sp>
         <p:nvSpPr>
-          <p:cNvPr id="2" name="Slide Image Placeholder 1"/>
+          <p:cNvPr id="2068175231" name="Slide Image Placeholder 1"/>
           <p:cNvSpPr>
             <a:spLocks noChangeAspect="1" noGrp="1" noRot="1"/>
           </p:cNvSpPr>
@@ -617,7 +617,7 @@
       </p:sp>
       <p:sp>
         <p:nvSpPr>
-          <p:cNvPr id="3" name="Notes Placeholder 2"/>
+          <p:cNvPr id="1996276996" name="Notes Placeholder 2"/>
           <p:cNvSpPr>
             <a:spLocks noGrp="1"/>
           </p:cNvSpPr>
@@ -639,7 +639,7 @@
       </p:sp>
       <p:sp>
         <p:nvSpPr>
-          <p:cNvPr id="4" name="Slide Number Placeholder 3"/>
+          <p:cNvPr id="1967983436" name="Slide Number Placeholder 3"/>
           <p:cNvSpPr>
             <a:spLocks noGrp="1"/>
           </p:cNvSpPr>
@@ -687,7 +687,7 @@
       </p:grpSpPr>
       <p:sp>
         <p:nvSpPr>
-          <p:cNvPr id="2" name="Slide Image Placeholder 1"/>
+          <p:cNvPr id="535534503" name="Slide Image Placeholder 1"/>
           <p:cNvSpPr>
             <a:spLocks noChangeAspect="1" noGrp="1" noRot="1"/>
           </p:cNvSpPr>
@@ -699,7 +699,7 @@
       </p:sp>
       <p:sp>
         <p:nvSpPr>
-          <p:cNvPr id="3" name="Notes Placeholder 2"/>
+          <p:cNvPr id="1914670573" name="Notes Placeholder 2"/>
           <p:cNvSpPr>
             <a:spLocks noGrp="1"/>
           </p:cNvSpPr>
@@ -721,7 +721,7 @@
       </p:sp>
       <p:sp>
         <p:nvSpPr>
-          <p:cNvPr id="4" name="Slide Number Placeholder 3"/>
+          <p:cNvPr id="1440447586" name="Slide Number Placeholder 3"/>
           <p:cNvSpPr>
             <a:spLocks noGrp="1"/>
           </p:cNvSpPr>
@@ -769,7 +769,7 @@
       </p:grpSpPr>
       <p:sp>
         <p:nvSpPr>
-          <p:cNvPr id="2" name="Slide Image Placeholder 1"/>
+          <p:cNvPr id="915453071" name="Slide Image Placeholder 1"/>
           <p:cNvSpPr>
             <a:spLocks noChangeAspect="1" noGrp="1" noRot="1"/>
           </p:cNvSpPr>
@@ -781,7 +781,7 @@
       </p:sp>
       <p:sp>
         <p:nvSpPr>
-          <p:cNvPr id="3" name="Notes Placeholder 2"/>
+          <p:cNvPr id="221857713" name="Notes Placeholder 2"/>
           <p:cNvSpPr>
             <a:spLocks noGrp="1"/>
           </p:cNvSpPr>
@@ -803,7 +803,7 @@
       </p:sp>
       <p:sp>
         <p:nvSpPr>
-          <p:cNvPr id="4" name="Slide Number Placeholder 3"/>
+          <p:cNvPr id="102853929" name="Slide Number Placeholder 3"/>
           <p:cNvSpPr>
             <a:spLocks noGrp="1"/>
           </p:cNvSpPr>
@@ -851,7 +851,7 @@
       </p:grpSpPr>
       <p:sp>
         <p:nvSpPr>
-          <p:cNvPr id="2" name="Slide Image Placeholder 1"/>
+          <p:cNvPr id="1417630897" name="Slide Image Placeholder 1"/>
           <p:cNvSpPr>
             <a:spLocks noChangeAspect="1" noGrp="1" noRot="1"/>
           </p:cNvSpPr>
@@ -863,7 +863,7 @@
       </p:sp>
       <p:sp>
         <p:nvSpPr>
-          <p:cNvPr id="3" name="Notes Placeholder 2"/>
+          <p:cNvPr id="337031802" name="Notes Placeholder 2"/>
           <p:cNvSpPr>
             <a:spLocks noGrp="1"/>
           </p:cNvSpPr>
@@ -885,7 +885,7 @@
       </p:sp>
       <p:sp>
         <p:nvSpPr>
-          <p:cNvPr id="4" name="Slide Number Placeholder 3"/>
+          <p:cNvPr id="594135947" name="Slide Number Placeholder 3"/>
           <p:cNvSpPr>
             <a:spLocks noGrp="1"/>
           </p:cNvSpPr>
@@ -933,7 +933,7 @@
       </p:grpSpPr>
       <p:sp>
         <p:nvSpPr>
-          <p:cNvPr id="2" name="Slide Image Placeholder 1"/>
+          <p:cNvPr id="272747436" name="Slide Image Placeholder 1"/>
           <p:cNvSpPr>
             <a:spLocks noChangeAspect="1" noGrp="1" noRot="1"/>
           </p:cNvSpPr>
@@ -945,7 +945,7 @@
       </p:sp>
       <p:sp>
         <p:nvSpPr>
-          <p:cNvPr id="3" name="Notes Placeholder 2"/>
+          <p:cNvPr id="812725686" name="Notes Placeholder 2"/>
           <p:cNvSpPr>
             <a:spLocks noGrp="1"/>
           </p:cNvSpPr>
@@ -967,7 +967,7 @@
       </p:sp>
       <p:sp>
         <p:nvSpPr>
-          <p:cNvPr id="4" name="Slide Number Placeholder 3"/>
+          <p:cNvPr id="1812267499" name="Slide Number Placeholder 3"/>
           <p:cNvSpPr>
             <a:spLocks noGrp="1"/>
           </p:cNvSpPr>
@@ -1015,7 +1015,7 @@
       </p:grpSpPr>
       <p:sp>
         <p:nvSpPr>
-          <p:cNvPr id="2" name="Slide Image Placeholder 1"/>
+          <p:cNvPr id="1164610729" name="Slide Image Placeholder 1"/>
           <p:cNvSpPr>
             <a:spLocks noChangeAspect="1" noGrp="1" noRot="1"/>
           </p:cNvSpPr>
@@ -1027,7 +1027,7 @@
       </p:sp>
       <p:sp>
         <p:nvSpPr>
-          <p:cNvPr id="3" name="Notes Placeholder 2"/>
+          <p:cNvPr id="923753421" name="Notes Placeholder 2"/>
           <p:cNvSpPr>
             <a:spLocks noGrp="1"/>
           </p:cNvSpPr>
@@ -1049,7 +1049,7 @@
       </p:sp>
       <p:sp>
         <p:nvSpPr>
-          <p:cNvPr id="4" name="Slide Number Placeholder 3"/>
+          <p:cNvPr id="849243847" name="Slide Number Placeholder 3"/>
           <p:cNvSpPr>
             <a:spLocks noGrp="1"/>
           </p:cNvSpPr>
@@ -1097,7 +1097,7 @@
       </p:grpSpPr>
       <p:sp>
         <p:nvSpPr>
-          <p:cNvPr id="2" name="Slide Image Placeholder 1"/>
+          <p:cNvPr id="1992117374" name="Slide Image Placeholder 1"/>
           <p:cNvSpPr>
             <a:spLocks noChangeAspect="1" noGrp="1" noRot="1"/>
           </p:cNvSpPr>
@@ -1109,7 +1109,7 @@
       </p:sp>
       <p:sp>
         <p:nvSpPr>
-          <p:cNvPr id="3" name="Notes Placeholder 2"/>
+          <p:cNvPr id="2024053279" name="Notes Placeholder 2"/>
           <p:cNvSpPr>
             <a:spLocks noGrp="1"/>
           </p:cNvSpPr>
@@ -1131,7 +1131,7 @@
       </p:sp>
       <p:sp>
         <p:nvSpPr>
-          <p:cNvPr id="4" name="Slide Number Placeholder 3"/>
+          <p:cNvPr id="1601459190" name="Slide Number Placeholder 3"/>
           <p:cNvSpPr>
             <a:spLocks noGrp="1"/>
           </p:cNvSpPr>
@@ -1179,7 +1179,7 @@
       </p:grpSpPr>
       <p:sp>
         <p:nvSpPr>
-          <p:cNvPr id="2" name="Slide Image Placeholder 1"/>
+          <p:cNvPr id="744329344" name="Slide Image Placeholder 1"/>
           <p:cNvSpPr>
             <a:spLocks noChangeAspect="1" noGrp="1" noRot="1"/>
           </p:cNvSpPr>
@@ -1191,7 +1191,7 @@
       </p:sp>
       <p:sp>
         <p:nvSpPr>
-          <p:cNvPr id="3" name="Notes Placeholder 2"/>
+          <p:cNvPr id="666267503" name="Notes Placeholder 2"/>
           <p:cNvSpPr>
             <a:spLocks noGrp="1"/>
           </p:cNvSpPr>
@@ -1213,7 +1213,7 @@
       </p:sp>
       <p:sp>
         <p:nvSpPr>
-          <p:cNvPr id="4" name="Slide Number Placeholder 3"/>
+          <p:cNvPr id="2050643763" name="Slide Number Placeholder 3"/>
           <p:cNvSpPr>
             <a:spLocks noGrp="1"/>
           </p:cNvSpPr>
@@ -1261,7 +1261,7 @@
       </p:grpSpPr>
       <p:sp>
         <p:nvSpPr>
-          <p:cNvPr id="2" name="Slide Image Placeholder 1"/>
+          <p:cNvPr id="1917577956" name="Slide Image Placeholder 1"/>
           <p:cNvSpPr>
             <a:spLocks noChangeAspect="1" noGrp="1" noRot="1"/>
           </p:cNvSpPr>
@@ -1273,7 +1273,7 @@
       </p:sp>
       <p:sp>
         <p:nvSpPr>
-          <p:cNvPr id="3" name="Notes Placeholder 2"/>
+          <p:cNvPr id="1574879996" name="Notes Placeholder 2"/>
           <p:cNvSpPr>
             <a:spLocks noGrp="1"/>
           </p:cNvSpPr>
@@ -1295,7 +1295,7 @@
       </p:sp>
       <p:sp>
         <p:nvSpPr>
-          <p:cNvPr id="4" name="Slide Number Placeholder 3"/>
+          <p:cNvPr id="1236947783" name="Slide Number Placeholder 3"/>
           <p:cNvSpPr>
             <a:spLocks noGrp="1"/>
           </p:cNvSpPr>
@@ -1343,7 +1343,7 @@
       </p:grpSpPr>
       <p:sp>
         <p:nvSpPr>
-          <p:cNvPr id="2" name="Slide Image Placeholder 1"/>
+          <p:cNvPr id="1535652725" name="Slide Image Placeholder 1"/>
           <p:cNvSpPr>
             <a:spLocks noChangeAspect="1" noGrp="1" noRot="1"/>
           </p:cNvSpPr>
@@ -1355,7 +1355,7 @@
       </p:sp>
       <p:sp>
         <p:nvSpPr>
-          <p:cNvPr id="3" name="Notes Placeholder 2"/>
+          <p:cNvPr id="1977358943" name="Notes Placeholder 2"/>
           <p:cNvSpPr>
             <a:spLocks noGrp="1"/>
           </p:cNvSpPr>
@@ -1377,7 +1377,7 @@
       </p:sp>
       <p:sp>
         <p:nvSpPr>
-          <p:cNvPr id="4" name="Slide Number Placeholder 3"/>
+          <p:cNvPr id="521275929" name="Slide Number Placeholder 3"/>
           <p:cNvSpPr>
             <a:spLocks noGrp="1"/>
           </p:cNvSpPr>
@@ -1425,7 +1425,7 @@
       </p:grpSpPr>
       <p:sp>
         <p:nvSpPr>
-          <p:cNvPr id="2" name="Slide Image Placeholder 1"/>
+          <p:cNvPr id="499066962" name="Slide Image Placeholder 1"/>
           <p:cNvSpPr>
             <a:spLocks noChangeAspect="1" noGrp="1" noRot="1"/>
           </p:cNvSpPr>
@@ -1437,7 +1437,7 @@
       </p:sp>
       <p:sp>
         <p:nvSpPr>
-          <p:cNvPr id="3" name="Notes Placeholder 2"/>
+          <p:cNvPr id="1764886738" name="Notes Placeholder 2"/>
           <p:cNvSpPr>
             <a:spLocks noGrp="1"/>
           </p:cNvSpPr>
@@ -1459,7 +1459,7 @@
       </p:sp>
       <p:sp>
         <p:nvSpPr>
-          <p:cNvPr id="4" name="Slide Number Placeholder 3"/>
+          <p:cNvPr id="604933304" name="Slide Number Placeholder 3"/>
           <p:cNvSpPr>
             <a:spLocks noGrp="1"/>
           </p:cNvSpPr>
@@ -1507,7 +1507,7 @@
       </p:grpSpPr>
       <p:sp>
         <p:nvSpPr>
-          <p:cNvPr id="797963861" name="Shape 1059"/>
+          <p:cNvPr id="1774257494" name="Shape 1059"/>
           <p:cNvSpPr>
             <a:spLocks noChangeArrowheads="1" noGrp="1"/>
           </p:cNvSpPr>
@@ -1630,7 +1630,7 @@
       </p:sp>
       <p:sp>
         <p:nvSpPr>
-          <p:cNvPr id="1167067357" name="Shape 1060"/>
+          <p:cNvPr id="402850743" name="Shape 1060"/>
           <p:cNvSpPr>
             <a:spLocks noChangeArrowheads="1" noGrp="1"/>
           </p:cNvSpPr>
@@ -1639,7 +1639,7 @@
         <p:spPr bwMode="auto">
           <a:xfrm>
             <a:off x="1309514" y="1839834"/>
-            <a:ext cx="4011787" cy="1314325"/>
+            <a:ext cx="4011787" cy="1314324"/>
           </a:xfrm>
           <a:custGeom>
             <a:avLst/>
@@ -1721,7 +1721,7 @@
       </p:sp>
       <p:sp>
         <p:nvSpPr>
-          <p:cNvPr id="1534879650" name="Shape 1061"/>
+          <p:cNvPr id="1565416029" name="Shape 1061"/>
           <p:cNvSpPr>
             <a:spLocks noChangeArrowheads="1" noGrp="1"/>
           </p:cNvSpPr>
@@ -1729,7 +1729,7 @@
         </p:nvSpPr>
         <p:spPr bwMode="auto">
           <a:xfrm>
-            <a:off x="6567031" y="4629133"/>
+            <a:off x="6567030" y="4629133"/>
             <a:ext cx="5395523" cy="2231707"/>
           </a:xfrm>
           <a:custGeom>
@@ -1807,7 +1807,7 @@
       </p:sp>
       <p:sp>
         <p:nvSpPr>
-          <p:cNvPr id="1304707701" name="Shape 1062"/>
+          <p:cNvPr id="2097313440" name="Shape 1062"/>
           <p:cNvSpPr>
             <a:spLocks noChangeArrowheads="1" noGrp="1"/>
           </p:cNvSpPr>
@@ -1885,7 +1885,7 @@
       </p:sp>
       <p:sp>
         <p:nvSpPr>
-          <p:cNvPr id="1710261484" name="Shape 1063"/>
+          <p:cNvPr id="1633055488" name="Shape 1063"/>
           <p:cNvSpPr>
             <a:spLocks noChangeArrowheads="1" noGrp="1"/>
           </p:cNvSpPr>
@@ -1963,7 +1963,7 @@
       </p:sp>
       <p:sp>
         <p:nvSpPr>
-          <p:cNvPr id="1925156172" name="Subtitle 2"/>
+          <p:cNvPr id="277799897" name="Subtitle 2"/>
           <p:cNvSpPr>
             <a:spLocks noGrp="1"/>
           </p:cNvSpPr>
@@ -1974,7 +1974,7 @@
         <p:spPr bwMode="auto">
           <a:xfrm>
             <a:off x="4655839" y="2708919"/>
-            <a:ext cx="6720746" cy="720079"/>
+            <a:ext cx="6720745" cy="720079"/>
           </a:xfrm>
         </p:spPr>
         <p:txBody>
@@ -2086,7 +2086,7 @@
       </p:sp>
       <p:sp>
         <p:nvSpPr>
-          <p:cNvPr id="329906979" name="Date Placeholder 3"/>
+          <p:cNvPr id="739994096" name="Date Placeholder 3"/>
           <p:cNvSpPr>
             <a:spLocks noGrp="1"/>
           </p:cNvSpPr>
@@ -2112,7 +2112,7 @@
       </p:sp>
       <p:sp>
         <p:nvSpPr>
-          <p:cNvPr id="1437270117" name="Footer Placeholder 4"/>
+          <p:cNvPr id="1972999841" name="Footer Placeholder 4"/>
           <p:cNvSpPr>
             <a:spLocks noGrp="1"/>
           </p:cNvSpPr>
@@ -2138,7 +2138,7 @@
       </p:sp>
       <p:sp>
         <p:nvSpPr>
-          <p:cNvPr id="1460174558" name="Slide Number Placeholder 5"/>
+          <p:cNvPr id="1737334032" name="Slide Number Placeholder 5"/>
           <p:cNvSpPr>
             <a:spLocks noGrp="1"/>
           </p:cNvSpPr>
@@ -2164,7 +2164,7 @@
       </p:sp>
       <p:sp>
         <p:nvSpPr>
-          <p:cNvPr id="175430572" name="Title 6"/>
+          <p:cNvPr id="803605047" name="Title 6"/>
           <p:cNvSpPr>
             <a:spLocks noGrp="1"/>
           </p:cNvSpPr>
@@ -2175,7 +2175,7 @@
         <p:spPr bwMode="auto">
           <a:xfrm>
             <a:off x="4595833" y="1808820"/>
-            <a:ext cx="6720746" cy="720079"/>
+            <a:ext cx="6720745" cy="720079"/>
           </a:xfrm>
         </p:spPr>
         <p:txBody>
@@ -2224,7 +2224,7 @@
       </p:grpSpPr>
       <p:sp>
         <p:nvSpPr>
-          <p:cNvPr id="853475662" name="Title 1"/>
+          <p:cNvPr id="955540075" name="Title 1"/>
           <p:cNvSpPr>
             <a:spLocks noGrp="1"/>
           </p:cNvSpPr>
@@ -2250,7 +2250,7 @@
       </p:sp>
       <p:sp>
         <p:nvSpPr>
-          <p:cNvPr id="1611648832" name="Vertical Text Placeholder 2"/>
+          <p:cNvPr id="1655182940" name="Vertical Text Placeholder 2"/>
           <p:cNvSpPr>
             <a:spLocks noGrp="1"/>
           </p:cNvSpPr>
@@ -2316,7 +2316,7 @@
       </p:sp>
       <p:sp>
         <p:nvSpPr>
-          <p:cNvPr id="934286705" name="Date Placeholder 3"/>
+          <p:cNvPr id="424434618" name="Date Placeholder 3"/>
           <p:cNvSpPr>
             <a:spLocks noGrp="1"/>
           </p:cNvSpPr>
@@ -2342,7 +2342,7 @@
       </p:sp>
       <p:sp>
         <p:nvSpPr>
-          <p:cNvPr id="1908538649" name="Footer Placeholder 4"/>
+          <p:cNvPr id="2029428784" name="Footer Placeholder 4"/>
           <p:cNvSpPr>
             <a:spLocks noGrp="1"/>
           </p:cNvSpPr>
@@ -2368,7 +2368,7 @@
       </p:sp>
       <p:sp>
         <p:nvSpPr>
-          <p:cNvPr id="75383207" name="Slide Number Placeholder 5"/>
+          <p:cNvPr id="881174209" name="Slide Number Placeholder 5"/>
           <p:cNvSpPr>
             <a:spLocks noGrp="1"/>
           </p:cNvSpPr>
@@ -2419,7 +2419,7 @@
       </p:grpSpPr>
       <p:sp>
         <p:nvSpPr>
-          <p:cNvPr id="1801819934" name="Vertical Title 1"/>
+          <p:cNvPr id="543879094" name="Vertical Title 1"/>
           <p:cNvSpPr>
             <a:spLocks noGrp="1"/>
           </p:cNvSpPr>
@@ -2454,7 +2454,7 @@
       </p:sp>
       <p:sp>
         <p:nvSpPr>
-          <p:cNvPr id="2065649198" name="Vertical Text Placeholder 2"/>
+          <p:cNvPr id="1464268579" name="Vertical Text Placeholder 2"/>
           <p:cNvSpPr>
             <a:spLocks noGrp="1"/>
           </p:cNvSpPr>
@@ -2525,7 +2525,7 @@
       </p:sp>
       <p:sp>
         <p:nvSpPr>
-          <p:cNvPr id="575572127" name="Date Placeholder 3"/>
+          <p:cNvPr id="1965166814" name="Date Placeholder 3"/>
           <p:cNvSpPr>
             <a:spLocks noGrp="1"/>
           </p:cNvSpPr>
@@ -2551,7 +2551,7 @@
       </p:sp>
       <p:sp>
         <p:nvSpPr>
-          <p:cNvPr id="1436146132" name="Footer Placeholder 4"/>
+          <p:cNvPr id="1772086322" name="Footer Placeholder 4"/>
           <p:cNvSpPr>
             <a:spLocks noGrp="1"/>
           </p:cNvSpPr>
@@ -2577,7 +2577,7 @@
       </p:sp>
       <p:sp>
         <p:nvSpPr>
-          <p:cNvPr id="1344622805" name="Slide Number Placeholder 5"/>
+          <p:cNvPr id="1558238533" name="Slide Number Placeholder 5"/>
           <p:cNvSpPr>
             <a:spLocks noGrp="1"/>
           </p:cNvSpPr>
@@ -2628,7 +2628,7 @@
       </p:grpSpPr>
       <p:sp>
         <p:nvSpPr>
-          <p:cNvPr id="404734312" name="Title 1"/>
+          <p:cNvPr id="903872234" name="Title 1"/>
           <p:cNvSpPr>
             <a:spLocks noGrp="1"/>
           </p:cNvSpPr>
@@ -2654,7 +2654,7 @@
       </p:sp>
       <p:sp>
         <p:nvSpPr>
-          <p:cNvPr id="745984937" name="Content Placeholder 2"/>
+          <p:cNvPr id="1863997548" name="Content Placeholder 2"/>
           <p:cNvSpPr>
             <a:spLocks noGrp="1"/>
           </p:cNvSpPr>
@@ -2720,7 +2720,7 @@
       </p:sp>
       <p:sp>
         <p:nvSpPr>
-          <p:cNvPr id="1361130001" name="Date Placeholder 3"/>
+          <p:cNvPr id="1220939506" name="Date Placeholder 3"/>
           <p:cNvSpPr>
             <a:spLocks noGrp="1"/>
           </p:cNvSpPr>
@@ -2746,7 +2746,7 @@
       </p:sp>
       <p:sp>
         <p:nvSpPr>
-          <p:cNvPr id="268025119" name="Footer Placeholder 4"/>
+          <p:cNvPr id="1184614775" name="Footer Placeholder 4"/>
           <p:cNvSpPr>
             <a:spLocks noGrp="1"/>
           </p:cNvSpPr>
@@ -2772,7 +2772,7 @@
       </p:sp>
       <p:sp>
         <p:nvSpPr>
-          <p:cNvPr id="1482602907" name="Slide Number Placeholder 5"/>
+          <p:cNvPr id="854836314" name="Slide Number Placeholder 5"/>
           <p:cNvSpPr>
             <a:spLocks noGrp="1"/>
           </p:cNvSpPr>
@@ -2823,7 +2823,7 @@
       </p:grpSpPr>
       <p:sp>
         <p:nvSpPr>
-          <p:cNvPr id="858753708" name="Title 1"/>
+          <p:cNvPr id="1229976923" name="Title 1"/>
           <p:cNvSpPr>
             <a:spLocks noGrp="1"/>
           </p:cNvSpPr>
@@ -2858,7 +2858,7 @@
       </p:sp>
       <p:sp>
         <p:nvSpPr>
-          <p:cNvPr id="525624284" name="Text Placeholder 2"/>
+          <p:cNvPr id="1295257820" name="Text Placeholder 2"/>
           <p:cNvSpPr>
             <a:spLocks noGrp="1"/>
           </p:cNvSpPr>
@@ -2980,7 +2980,7 @@
       </p:sp>
       <p:sp>
         <p:nvSpPr>
-          <p:cNvPr id="1551595095" name="Date Placeholder 3"/>
+          <p:cNvPr id="1632852824" name="Date Placeholder 3"/>
           <p:cNvSpPr>
             <a:spLocks noGrp="1"/>
           </p:cNvSpPr>
@@ -3006,7 +3006,7 @@
       </p:sp>
       <p:sp>
         <p:nvSpPr>
-          <p:cNvPr id="1451683652" name="Footer Placeholder 4"/>
+          <p:cNvPr id="1534017404" name="Footer Placeholder 4"/>
           <p:cNvSpPr>
             <a:spLocks noGrp="1"/>
           </p:cNvSpPr>
@@ -3032,7 +3032,7 @@
       </p:sp>
       <p:sp>
         <p:nvSpPr>
-          <p:cNvPr id="18232340" name="Slide Number Placeholder 5"/>
+          <p:cNvPr id="344904418" name="Slide Number Placeholder 5"/>
           <p:cNvSpPr>
             <a:spLocks noGrp="1"/>
           </p:cNvSpPr>
@@ -3083,7 +3083,7 @@
       </p:grpSpPr>
       <p:sp>
         <p:nvSpPr>
-          <p:cNvPr id="26358105" name="Title 1"/>
+          <p:cNvPr id="2133485527" name="Title 1"/>
           <p:cNvSpPr>
             <a:spLocks noGrp="1"/>
           </p:cNvSpPr>
@@ -3109,7 +3109,7 @@
       </p:sp>
       <p:sp>
         <p:nvSpPr>
-          <p:cNvPr id="1409413259" name="Content Placeholder 2"/>
+          <p:cNvPr id="423615433" name="Content Placeholder 2"/>
           <p:cNvSpPr>
             <a:spLocks noGrp="1"/>
           </p:cNvSpPr>
@@ -3208,7 +3208,7 @@
       </p:sp>
       <p:sp>
         <p:nvSpPr>
-          <p:cNvPr id="1726614534" name="Content Placeholder 3"/>
+          <p:cNvPr id="1961705014" name="Content Placeholder 3"/>
           <p:cNvSpPr>
             <a:spLocks noGrp="1"/>
           </p:cNvSpPr>
@@ -3307,7 +3307,7 @@
       </p:sp>
       <p:sp>
         <p:nvSpPr>
-          <p:cNvPr id="1866056634" name="Date Placeholder 4"/>
+          <p:cNvPr id="598318106" name="Date Placeholder 4"/>
           <p:cNvSpPr>
             <a:spLocks noGrp="1"/>
           </p:cNvSpPr>
@@ -3333,7 +3333,7 @@
       </p:sp>
       <p:sp>
         <p:nvSpPr>
-          <p:cNvPr id="1139282489" name="Footer Placeholder 5"/>
+          <p:cNvPr id="623270658" name="Footer Placeholder 5"/>
           <p:cNvSpPr>
             <a:spLocks noGrp="1"/>
           </p:cNvSpPr>
@@ -3359,7 +3359,7 @@
       </p:sp>
       <p:sp>
         <p:nvSpPr>
-          <p:cNvPr id="792161514" name="Slide Number Placeholder 6"/>
+          <p:cNvPr id="368884713" name="Slide Number Placeholder 6"/>
           <p:cNvSpPr>
             <a:spLocks noGrp="1"/>
           </p:cNvSpPr>
@@ -3410,7 +3410,7 @@
       </p:grpSpPr>
       <p:sp>
         <p:nvSpPr>
-          <p:cNvPr id="430999149" name="Title 1"/>
+          <p:cNvPr id="1933746119" name="Title 1"/>
           <p:cNvSpPr>
             <a:spLocks noGrp="1"/>
           </p:cNvSpPr>
@@ -3440,7 +3440,7 @@
       </p:sp>
       <p:sp>
         <p:nvSpPr>
-          <p:cNvPr id="773791612" name="Text Placeholder 2"/>
+          <p:cNvPr id="1372759072" name="Text Placeholder 2"/>
           <p:cNvSpPr>
             <a:spLocks noGrp="1"/>
           </p:cNvSpPr>
@@ -3508,7 +3508,7 @@
       </p:sp>
       <p:sp>
         <p:nvSpPr>
-          <p:cNvPr id="45403374" name="Content Placeholder 3"/>
+          <p:cNvPr id="1835764199" name="Content Placeholder 3"/>
           <p:cNvSpPr>
             <a:spLocks noGrp="1"/>
           </p:cNvSpPr>
@@ -3607,7 +3607,7 @@
       </p:sp>
       <p:sp>
         <p:nvSpPr>
-          <p:cNvPr id="121073658" name="Text Placeholder 4"/>
+          <p:cNvPr id="1986142892" name="Text Placeholder 4"/>
           <p:cNvSpPr>
             <a:spLocks noGrp="1"/>
           </p:cNvSpPr>
@@ -3675,7 +3675,7 @@
       </p:sp>
       <p:sp>
         <p:nvSpPr>
-          <p:cNvPr id="288738374" name="Content Placeholder 5"/>
+          <p:cNvPr id="1980358163" name="Content Placeholder 5"/>
           <p:cNvSpPr>
             <a:spLocks noGrp="1"/>
           </p:cNvSpPr>
@@ -3774,7 +3774,7 @@
       </p:sp>
       <p:sp>
         <p:nvSpPr>
-          <p:cNvPr id="1500254159" name="Date Placeholder 6"/>
+          <p:cNvPr id="377397149" name="Date Placeholder 6"/>
           <p:cNvSpPr>
             <a:spLocks noGrp="1"/>
           </p:cNvSpPr>
@@ -3800,7 +3800,7 @@
       </p:sp>
       <p:sp>
         <p:nvSpPr>
-          <p:cNvPr id="88558782" name="Footer Placeholder 7"/>
+          <p:cNvPr id="769724169" name="Footer Placeholder 7"/>
           <p:cNvSpPr>
             <a:spLocks noGrp="1"/>
           </p:cNvSpPr>
@@ -3826,7 +3826,7 @@
       </p:sp>
       <p:sp>
         <p:nvSpPr>
-          <p:cNvPr id="1413972588" name="Slide Number Placeholder 8"/>
+          <p:cNvPr id="364533356" name="Slide Number Placeholder 8"/>
           <p:cNvSpPr>
             <a:spLocks noGrp="1"/>
           </p:cNvSpPr>
@@ -3877,7 +3877,7 @@
       </p:grpSpPr>
       <p:sp>
         <p:nvSpPr>
-          <p:cNvPr id="751220423" name="Title 1"/>
+          <p:cNvPr id="149890384" name="Title 1"/>
           <p:cNvSpPr>
             <a:spLocks noGrp="1"/>
           </p:cNvSpPr>
@@ -3903,7 +3903,7 @@
       </p:sp>
       <p:sp>
         <p:nvSpPr>
-          <p:cNvPr id="1891837634" name="Date Placeholder 2"/>
+          <p:cNvPr id="1427477355" name="Date Placeholder 2"/>
           <p:cNvSpPr>
             <a:spLocks noGrp="1"/>
           </p:cNvSpPr>
@@ -3929,7 +3929,7 @@
       </p:sp>
       <p:sp>
         <p:nvSpPr>
-          <p:cNvPr id="460479" name="Footer Placeholder 3"/>
+          <p:cNvPr id="2118219013" name="Footer Placeholder 3"/>
           <p:cNvSpPr>
             <a:spLocks noGrp="1"/>
           </p:cNvSpPr>
@@ -3955,7 +3955,7 @@
       </p:sp>
       <p:sp>
         <p:nvSpPr>
-          <p:cNvPr id="1314414233" name="Slide Number Placeholder 4"/>
+          <p:cNvPr id="1761518100" name="Slide Number Placeholder 4"/>
           <p:cNvSpPr>
             <a:spLocks noGrp="1"/>
           </p:cNvSpPr>
@@ -4006,7 +4006,7 @@
       </p:grpSpPr>
       <p:sp>
         <p:nvSpPr>
-          <p:cNvPr id="705740168" name="Date Placeholder 1"/>
+          <p:cNvPr id="2017025533" name="Date Placeholder 1"/>
           <p:cNvSpPr>
             <a:spLocks noGrp="1"/>
           </p:cNvSpPr>
@@ -4032,7 +4032,7 @@
       </p:sp>
       <p:sp>
         <p:nvSpPr>
-          <p:cNvPr id="1416787605" name="Footer Placeholder 2"/>
+          <p:cNvPr id="417765168" name="Footer Placeholder 2"/>
           <p:cNvSpPr>
             <a:spLocks noGrp="1"/>
           </p:cNvSpPr>
@@ -4058,7 +4058,7 @@
       </p:sp>
       <p:sp>
         <p:nvSpPr>
-          <p:cNvPr id="1926868750" name="Slide Number Placeholder 3"/>
+          <p:cNvPr id="906910426" name="Slide Number Placeholder 3"/>
           <p:cNvSpPr>
             <a:spLocks noGrp="1"/>
           </p:cNvSpPr>
@@ -4109,7 +4109,7 @@
       </p:grpSpPr>
       <p:sp>
         <p:nvSpPr>
-          <p:cNvPr id="43018201" name="Title 1"/>
+          <p:cNvPr id="127472526" name="Title 1"/>
           <p:cNvSpPr>
             <a:spLocks noGrp="1"/>
           </p:cNvSpPr>
@@ -4144,7 +4144,7 @@
       </p:sp>
       <p:sp>
         <p:nvSpPr>
-          <p:cNvPr id="795652824" name="Content Placeholder 2"/>
+          <p:cNvPr id="1437378073" name="Content Placeholder 2"/>
           <p:cNvSpPr>
             <a:spLocks noGrp="1"/>
           </p:cNvSpPr>
@@ -4243,7 +4243,7 @@
       </p:sp>
       <p:sp>
         <p:nvSpPr>
-          <p:cNvPr id="1633258265" name="Text Placeholder 3"/>
+          <p:cNvPr id="336655689" name="Text Placeholder 3"/>
           <p:cNvSpPr>
             <a:spLocks noGrp="1"/>
           </p:cNvSpPr>
@@ -4311,7 +4311,7 @@
       </p:sp>
       <p:sp>
         <p:nvSpPr>
-          <p:cNvPr id="1399049416" name="Date Placeholder 4"/>
+          <p:cNvPr id="412187071" name="Date Placeholder 4"/>
           <p:cNvSpPr>
             <a:spLocks noGrp="1"/>
           </p:cNvSpPr>
@@ -4337,7 +4337,7 @@
       </p:sp>
       <p:sp>
         <p:nvSpPr>
-          <p:cNvPr id="198471443" name="Footer Placeholder 5"/>
+          <p:cNvPr id="1784172426" name="Footer Placeholder 5"/>
           <p:cNvSpPr>
             <a:spLocks noGrp="1"/>
           </p:cNvSpPr>
@@ -4363,7 +4363,7 @@
       </p:sp>
       <p:sp>
         <p:nvSpPr>
-          <p:cNvPr id="517102348" name="Slide Number Placeholder 6"/>
+          <p:cNvPr id="1747605261" name="Slide Number Placeholder 6"/>
           <p:cNvSpPr>
             <a:spLocks noGrp="1"/>
           </p:cNvSpPr>
@@ -4414,7 +4414,7 @@
       </p:grpSpPr>
       <p:sp>
         <p:nvSpPr>
-          <p:cNvPr id="1108662100" name="Title 1"/>
+          <p:cNvPr id="270323798" name="Title 1"/>
           <p:cNvSpPr>
             <a:spLocks noGrp="1"/>
           </p:cNvSpPr>
@@ -4449,7 +4449,7 @@
       </p:sp>
       <p:sp>
         <p:nvSpPr>
-          <p:cNvPr id="114566228" name="Picture Placeholder 2"/>
+          <p:cNvPr id="1788355462" name="Picture Placeholder 2"/>
           <p:cNvSpPr>
             <a:spLocks noGrp="1"/>
           </p:cNvSpPr>
@@ -4513,7 +4513,7 @@
       </p:sp>
       <p:sp>
         <p:nvSpPr>
-          <p:cNvPr id="1365266665" name="Text Placeholder 3"/>
+          <p:cNvPr id="207126099" name="Text Placeholder 3"/>
           <p:cNvSpPr>
             <a:spLocks noGrp="1"/>
           </p:cNvSpPr>
@@ -4581,7 +4581,7 @@
       </p:sp>
       <p:sp>
         <p:nvSpPr>
-          <p:cNvPr id="1596155794" name="Date Placeholder 4"/>
+          <p:cNvPr id="1154979308" name="Date Placeholder 4"/>
           <p:cNvSpPr>
             <a:spLocks noGrp="1"/>
           </p:cNvSpPr>
@@ -4607,7 +4607,7 @@
       </p:sp>
       <p:sp>
         <p:nvSpPr>
-          <p:cNvPr id="564268983" name="Footer Placeholder 5"/>
+          <p:cNvPr id="832445491" name="Footer Placeholder 5"/>
           <p:cNvSpPr>
             <a:spLocks noGrp="1"/>
           </p:cNvSpPr>
@@ -4633,7 +4633,7 @@
       </p:sp>
       <p:sp>
         <p:nvSpPr>
-          <p:cNvPr id="1543817678" name="Slide Number Placeholder 6"/>
+          <p:cNvPr id="1893864960" name="Slide Number Placeholder 6"/>
           <p:cNvSpPr>
             <a:spLocks noGrp="1"/>
           </p:cNvSpPr>
@@ -4689,7 +4689,7 @@
       </p:grpSpPr>
       <p:sp>
         <p:nvSpPr>
-          <p:cNvPr id="332205739" name="Shape 1059"/>
+          <p:cNvPr id="1617369342" name="Shape 1059"/>
           <p:cNvSpPr>
             <a:spLocks noChangeArrowheads="1" noGrp="1"/>
           </p:cNvSpPr>
@@ -4767,7 +4767,7 @@
       </p:sp>
       <p:sp>
         <p:nvSpPr>
-          <p:cNvPr id="281423126" name="Shape 1060"/>
+          <p:cNvPr id="459275706" name="Shape 1060"/>
           <p:cNvSpPr>
             <a:spLocks noChangeArrowheads="1" noGrp="1"/>
           </p:cNvSpPr>
@@ -4848,7 +4848,7 @@
       </p:sp>
       <p:sp>
         <p:nvSpPr>
-          <p:cNvPr id="124402232" name="Shape 1061"/>
+          <p:cNvPr id="1368084324" name="Shape 1061"/>
           <p:cNvSpPr>
             <a:spLocks noChangeArrowheads="1" noGrp="1"/>
           </p:cNvSpPr>
@@ -4856,7 +4856,7 @@
         </p:nvSpPr>
         <p:spPr bwMode="auto">
           <a:xfrm>
-            <a:off x="1637457" y="1"/>
+            <a:off x="1637456" y="1"/>
             <a:ext cx="3839633" cy="2609650"/>
           </a:xfrm>
           <a:custGeom>
@@ -4966,7 +4966,7 @@
       </p:sp>
       <p:sp>
         <p:nvSpPr>
-          <p:cNvPr id="2113887754" name="Title 1"/>
+          <p:cNvPr id="1218487107" name="Title 1"/>
           <p:cNvSpPr>
             <a:spLocks noGrp="1"/>
           </p:cNvSpPr>
@@ -5002,7 +5002,7 @@
       </p:sp>
       <p:sp>
         <p:nvSpPr>
-          <p:cNvPr id="1121355359" name="Text Placeholder 2"/>
+          <p:cNvPr id="1179752190" name="Text Placeholder 2"/>
           <p:cNvSpPr>
             <a:spLocks noGrp="1"/>
           </p:cNvSpPr>
@@ -5078,7 +5078,7 @@
       </p:sp>
       <p:sp>
         <p:nvSpPr>
-          <p:cNvPr id="117980176" name="Date Placeholder 3"/>
+          <p:cNvPr id="591049090" name="Date Placeholder 3"/>
           <p:cNvSpPr>
             <a:spLocks noGrp="1"/>
           </p:cNvSpPr>
@@ -5089,7 +5089,7 @@
         <p:spPr bwMode="auto">
           <a:xfrm>
             <a:off x="609599" y="6356351"/>
-            <a:ext cx="2844799" cy="365125"/>
+            <a:ext cx="2844798" cy="365125"/>
           </a:xfrm>
           <a:prstGeom prst="rect">
             <a:avLst/>
@@ -5122,7 +5122,7 @@
       </p:sp>
       <p:sp>
         <p:nvSpPr>
-          <p:cNvPr id="392195091" name="Footer Placeholder 4"/>
+          <p:cNvPr id="463062775" name="Footer Placeholder 4"/>
           <p:cNvSpPr>
             <a:spLocks noGrp="1"/>
           </p:cNvSpPr>
@@ -5166,7 +5166,7 @@
       </p:sp>
       <p:sp>
         <p:nvSpPr>
-          <p:cNvPr id="694873802" name="Slide Number Placeholder 5"/>
+          <p:cNvPr id="35984005" name="Slide Number Placeholder 5"/>
           <p:cNvSpPr>
             <a:spLocks noGrp="1"/>
           </p:cNvSpPr>
@@ -5177,7 +5177,7 @@
         <p:spPr bwMode="auto">
           <a:xfrm>
             <a:off x="8737599" y="6356351"/>
-            <a:ext cx="2844799" cy="365125"/>
+            <a:ext cx="2844798" cy="365125"/>
           </a:xfrm>
           <a:prstGeom prst="rect">
             <a:avLst/>
@@ -5515,7 +5515,7 @@
       </p:grpSpPr>
       <p:sp>
         <p:nvSpPr>
-          <p:cNvPr id="1499402500" name="Title 1"/>
+          <p:cNvPr id="25402458" name="Title 1"/>
           <p:cNvSpPr>
             <a:spLocks noGrp="1"/>
           </p:cNvSpPr>
@@ -5526,7 +5526,7 @@
         <p:spPr bwMode="auto">
           <a:xfrm>
             <a:off x="5498201" y="2528899"/>
-            <a:ext cx="6720746" cy="720079"/>
+            <a:ext cx="6720745" cy="720079"/>
           </a:xfrm>
         </p:spPr>
         <p:txBody>
@@ -5558,7 +5558,7 @@
       </p:sp>
       <p:pic>
         <p:nvPicPr>
-          <p:cNvPr id="1995541195" name=""/>
+          <p:cNvPr id="1758105063" name=""/>
           <p:cNvPicPr>
             <a:picLocks noChangeAspect="1"/>
           </p:cNvPicPr>
@@ -5580,7 +5580,7 @@
       </p:pic>
       <p:pic>
         <p:nvPicPr>
-          <p:cNvPr id="1804495899" name=""/>
+          <p:cNvPr id="1800865265" name=""/>
           <p:cNvPicPr>
             <a:picLocks noChangeAspect="1"/>
           </p:cNvPicPr>
@@ -5593,7 +5593,7 @@
         <p:spPr bwMode="auto">
           <a:xfrm flipH="0" flipV="0">
             <a:off x="279232" y="284078"/>
-            <a:ext cx="3448924" cy="1620920"/>
+            <a:ext cx="3448923" cy="1620920"/>
           </a:xfrm>
           <a:prstGeom prst="rect">
             <a:avLst/>
@@ -5602,7 +5602,7 @@
       </p:pic>
       <p:pic>
         <p:nvPicPr>
-          <p:cNvPr id="556695672" name=""/>
+          <p:cNvPr id="2131325881" name=""/>
           <p:cNvPicPr>
             <a:picLocks noChangeAspect="1"/>
           </p:cNvPicPr>
@@ -5624,7 +5624,7 @@
       </p:pic>
       <p:sp>
         <p:nvSpPr>
-          <p:cNvPr id="872504908" name="Footer Placeholder 4"/>
+          <p:cNvPr id="1807606717" name="Footer Placeholder 4"/>
           <p:cNvSpPr>
             <a:spLocks noGrp="1"/>
           </p:cNvSpPr>
@@ -5659,14 +5659,14 @@
       </p:sp>
       <p:sp>
         <p:nvSpPr>
-          <p:cNvPr id="1026245528" name=""/>
+          <p:cNvPr id="657904554" name=""/>
           <p:cNvSpPr/>
           <p:nvPr/>
         </p:nvSpPr>
         <p:spPr bwMode="auto">
           <a:xfrm rot="0" flipH="0" flipV="0">
             <a:off x="9947556" y="3809151"/>
-            <a:ext cx="2103220" cy="396599"/>
+            <a:ext cx="2103579" cy="396599"/>
           </a:xfrm>
           <a:prstGeom prst="rect">
             <a:avLst/>
@@ -5710,7 +5710,7 @@
       </p:sp>
       <p:sp>
         <p:nvSpPr>
-          <p:cNvPr id="1796140324" name=""/>
+          <p:cNvPr id="812318704" name=""/>
           <p:cNvSpPr/>
           <p:nvPr/>
         </p:nvSpPr>
@@ -5806,7 +5806,7 @@
       </p:grpSpPr>
       <p:sp>
         <p:nvSpPr>
-          <p:cNvPr id="364838520" name="Title 1"/>
+          <p:cNvPr id="1721641605" name="Title 1"/>
           <p:cNvSpPr>
             <a:spLocks noGrp="1"/>
           </p:cNvSpPr>
@@ -5842,7 +5842,7 @@
       </p:sp>
       <p:sp>
         <p:nvSpPr>
-          <p:cNvPr id="1869146202" name="Footer Placeholder 4"/>
+          <p:cNvPr id="287685218" name="Footer Placeholder 4"/>
           <p:cNvSpPr>
             <a:spLocks noGrp="1"/>
           </p:cNvSpPr>
@@ -5868,7 +5868,7 @@
       </p:sp>
       <p:sp>
         <p:nvSpPr>
-          <p:cNvPr id="667815365" name=""/>
+          <p:cNvPr id="675861036" name=""/>
           <p:cNvSpPr txBox="1"/>
           <p:nvPr/>
         </p:nvSpPr>
@@ -6241,7 +6241,7 @@
       </p:grpSpPr>
       <p:sp>
         <p:nvSpPr>
-          <p:cNvPr id="1301387636" name="Title 1"/>
+          <p:cNvPr id="1371828206" name="Title 1"/>
           <p:cNvSpPr>
             <a:spLocks noGrp="1"/>
           </p:cNvSpPr>
@@ -6277,7 +6277,7 @@
       </p:sp>
       <p:sp>
         <p:nvSpPr>
-          <p:cNvPr id="1523448835" name="Footer Placeholder 4"/>
+          <p:cNvPr id="1934010448" name="Footer Placeholder 4"/>
           <p:cNvSpPr>
             <a:spLocks noGrp="1"/>
           </p:cNvSpPr>
@@ -6303,7 +6303,7 @@
       </p:sp>
       <p:sp>
         <p:nvSpPr>
-          <p:cNvPr id="1602455529" name=""/>
+          <p:cNvPr id="765565920" name=""/>
           <p:cNvSpPr/>
           <p:nvPr/>
         </p:nvSpPr>
@@ -6587,7 +6587,7 @@
       </p:grpSpPr>
       <p:sp>
         <p:nvSpPr>
-          <p:cNvPr id="1364624714" name="Footer Placeholder 4"/>
+          <p:cNvPr id="419087201" name="Footer Placeholder 4"/>
           <p:cNvSpPr>
             <a:spLocks noGrp="1"/>
           </p:cNvSpPr>
@@ -6613,7 +6613,7 @@
       </p:sp>
       <p:pic>
         <p:nvPicPr>
-          <p:cNvPr id="1801594498" name=""/>
+          <p:cNvPr id="263315546" name=""/>
           <p:cNvPicPr>
             <a:picLocks noChangeAspect="1"/>
           </p:cNvPicPr>
@@ -6668,7 +6668,7 @@
       </p:grpSpPr>
       <p:sp>
         <p:nvSpPr>
-          <p:cNvPr id="1530112455" name="Title 1"/>
+          <p:cNvPr id="1526986667" name="Title 1"/>
           <p:cNvSpPr>
             <a:spLocks noGrp="1"/>
           </p:cNvSpPr>
@@ -6704,7 +6704,7 @@
       </p:sp>
       <p:sp>
         <p:nvSpPr>
-          <p:cNvPr id="734891935" name="Content Placeholder 2"/>
+          <p:cNvPr id="1883329525" name="Content Placeholder 2"/>
           <p:cNvSpPr>
             <a:spLocks noGrp="1"/>
           </p:cNvSpPr>
@@ -6765,7 +6765,7 @@
       </p:sp>
       <p:sp>
         <p:nvSpPr>
-          <p:cNvPr id="1862061749" name="Footer Placeholder 4"/>
+          <p:cNvPr id="1227288827" name="Footer Placeholder 4"/>
           <p:cNvSpPr>
             <a:spLocks noGrp="1"/>
           </p:cNvSpPr>
@@ -6824,7 +6824,7 @@
       </p:grpSpPr>
       <p:sp>
         <p:nvSpPr>
-          <p:cNvPr id="487063688" name="Title 1"/>
+          <p:cNvPr id="2146516511" name="Title 1"/>
           <p:cNvSpPr>
             <a:spLocks noGrp="1"/>
           </p:cNvSpPr>
@@ -6860,7 +6860,7 @@
       </p:sp>
       <p:sp>
         <p:nvSpPr>
-          <p:cNvPr id="398861918" name="Content Placeholder 2"/>
+          <p:cNvPr id="1709246928" name="Content Placeholder 2"/>
           <p:cNvSpPr>
             <a:spLocks noGrp="1"/>
           </p:cNvSpPr>
@@ -7399,7 +7399,7 @@
       </p:sp>
       <p:sp>
         <p:nvSpPr>
-          <p:cNvPr id="562485916" name="Footer Placeholder 4"/>
+          <p:cNvPr id="794167667" name="Footer Placeholder 4"/>
           <p:cNvSpPr>
             <a:spLocks noGrp="1"/>
           </p:cNvSpPr>
@@ -7458,7 +7458,7 @@
       </p:grpSpPr>
       <p:sp>
         <p:nvSpPr>
-          <p:cNvPr id="896559041" name="Title 1"/>
+          <p:cNvPr id="1642687071" name="Title 1"/>
           <p:cNvSpPr>
             <a:spLocks noGrp="1"/>
           </p:cNvSpPr>
@@ -7494,7 +7494,7 @@
       </p:sp>
       <p:sp>
         <p:nvSpPr>
-          <p:cNvPr id="719777950" name="Content Placeholder 2"/>
+          <p:cNvPr id="674075774" name="Content Placeholder 2"/>
           <p:cNvSpPr>
             <a:spLocks noGrp="1"/>
           </p:cNvSpPr>
@@ -7612,7 +7612,7 @@
       </p:sp>
       <p:sp>
         <p:nvSpPr>
-          <p:cNvPr id="725708901" name="Footer Placeholder 4"/>
+          <p:cNvPr id="1220442247" name="Footer Placeholder 4"/>
           <p:cNvSpPr>
             <a:spLocks noGrp="1"/>
           </p:cNvSpPr>
@@ -7638,7 +7638,7 @@
       </p:sp>
       <p:sp>
         <p:nvSpPr>
-          <p:cNvPr id="383768962" name="Title 1"/>
+          <p:cNvPr id="1296404585" name="Title 1"/>
           <p:cNvSpPr>
             <a:spLocks noGrp="1"/>
           </p:cNvSpPr>
@@ -7697,7 +7697,7 @@
       </p:sp>
       <p:sp>
         <p:nvSpPr>
-          <p:cNvPr id="933809761" name=""/>
+          <p:cNvPr id="1620415819" name=""/>
           <p:cNvSpPr txBox="1"/>
           <p:nvPr/>
         </p:nvSpPr>
@@ -7821,7 +7821,7 @@
       </p:grpSpPr>
       <p:sp>
         <p:nvSpPr>
-          <p:cNvPr id="1233707547" name="Title 1"/>
+          <p:cNvPr id="906807493" name="Title 1"/>
           <p:cNvSpPr>
             <a:spLocks noGrp="1"/>
           </p:cNvSpPr>
@@ -7857,7 +7857,7 @@
       </p:sp>
       <p:sp>
         <p:nvSpPr>
-          <p:cNvPr id="1630612923" name="Footer Placeholder 4"/>
+          <p:cNvPr id="2074718116" name="Footer Placeholder 4"/>
           <p:cNvSpPr>
             <a:spLocks noGrp="1"/>
           </p:cNvSpPr>
@@ -7883,7 +7883,7 @@
       </p:sp>
       <p:pic>
         <p:nvPicPr>
-          <p:cNvPr id="1933473021" name=""/>
+          <p:cNvPr id="416279501" name=""/>
           <p:cNvPicPr>
             <a:picLocks noChangeAspect="1"/>
           </p:cNvPicPr>
@@ -7938,7 +7938,7 @@
       </p:grpSpPr>
       <p:sp>
         <p:nvSpPr>
-          <p:cNvPr id="1461083401" name="Title 1"/>
+          <p:cNvPr id="23730765" name="Title 1"/>
           <p:cNvSpPr>
             <a:spLocks noGrp="1"/>
           </p:cNvSpPr>
@@ -7974,7 +7974,7 @@
       </p:sp>
       <p:sp>
         <p:nvSpPr>
-          <p:cNvPr id="1381624987" name="Footer Placeholder 4"/>
+          <p:cNvPr id="1272521558" name="Footer Placeholder 4"/>
           <p:cNvSpPr>
             <a:spLocks noGrp="1"/>
           </p:cNvSpPr>
@@ -8000,7 +8000,7 @@
       </p:sp>
       <p:pic>
         <p:nvPicPr>
-          <p:cNvPr id="1431460054" name=""/>
+          <p:cNvPr id="1170344746" name=""/>
           <p:cNvPicPr>
             <a:picLocks noChangeAspect="1"/>
           </p:cNvPicPr>
@@ -8055,7 +8055,7 @@
       </p:grpSpPr>
       <p:sp>
         <p:nvSpPr>
-          <p:cNvPr id="704907794" name="Title 1"/>
+          <p:cNvPr id="1955911994" name="Title 1"/>
           <p:cNvSpPr>
             <a:spLocks noGrp="1"/>
           </p:cNvSpPr>
@@ -8091,7 +8091,7 @@
       </p:sp>
       <p:sp>
         <p:nvSpPr>
-          <p:cNvPr id="1839783865" name="Footer Placeholder 4"/>
+          <p:cNvPr id="535942967" name="Footer Placeholder 4"/>
           <p:cNvSpPr>
             <a:spLocks noGrp="1"/>
           </p:cNvSpPr>
@@ -8117,7 +8117,7 @@
       </p:sp>
       <p:pic>
         <p:nvPicPr>
-          <p:cNvPr id="675235315" name=""/>
+          <p:cNvPr id="1674116793" name=""/>
           <p:cNvPicPr>
             <a:picLocks noChangeAspect="1"/>
           </p:cNvPicPr>
@@ -8172,7 +8172,7 @@
       </p:grpSpPr>
       <p:sp>
         <p:nvSpPr>
-          <p:cNvPr id="1693101880" name="Title 1"/>
+          <p:cNvPr id="1856377309" name="Title 1"/>
           <p:cNvSpPr>
             <a:spLocks noGrp="1"/>
           </p:cNvSpPr>
@@ -8208,7 +8208,7 @@
       </p:sp>
       <p:sp>
         <p:nvSpPr>
-          <p:cNvPr id="1902283332" name="Footer Placeholder 4"/>
+          <p:cNvPr id="128680221" name="Footer Placeholder 4"/>
           <p:cNvSpPr>
             <a:spLocks noGrp="1"/>
           </p:cNvSpPr>
@@ -8234,7 +8234,7 @@
       </p:sp>
       <p:pic>
         <p:nvPicPr>
-          <p:cNvPr id="1544850496" name=""/>
+          <p:cNvPr id="813134449" name=""/>
           <p:cNvPicPr>
             <a:picLocks noChangeAspect="1"/>
           </p:cNvPicPr>
@@ -8289,7 +8289,7 @@
       </p:grpSpPr>
       <p:sp>
         <p:nvSpPr>
-          <p:cNvPr id="826207262" name="Title 1"/>
+          <p:cNvPr id="684836445" name="Title 1"/>
           <p:cNvSpPr>
             <a:spLocks noGrp="1"/>
           </p:cNvSpPr>
@@ -8325,7 +8325,7 @@
       </p:sp>
       <p:sp>
         <p:nvSpPr>
-          <p:cNvPr id="2112968492" name="Content Placeholder 2"/>
+          <p:cNvPr id="1276873785" name="Content Placeholder 2"/>
           <p:cNvSpPr>
             <a:spLocks noGrp="1"/>
           </p:cNvSpPr>
@@ -8385,7 +8385,7 @@
       </p:sp>
       <p:sp>
         <p:nvSpPr>
-          <p:cNvPr id="1134712722" name="Footer Placeholder 4"/>
+          <p:cNvPr id="2129354626" name="Footer Placeholder 4"/>
           <p:cNvSpPr>
             <a:spLocks noGrp="1"/>
           </p:cNvSpPr>
